--- a/figs/versions.pptx
+++ b/figs/versions.pptx
@@ -220,7 +220,7 @@
           <a:p>
             <a:fld id="{8479DA45-34A6-CC48-8BED-70680276819D}" type="datetimeFigureOut">
               <a:rPr lang="en-US" smtClean="0"/>
-              <a:t>3/15/21</a:t>
+              <a:t>3/22/21</a:t>
             </a:fld>
             <a:endParaRPr lang="en-US"/>
           </a:p>
@@ -723,7 +723,7 @@
           <a:p>
             <a:fld id="{454E6466-8033-6448-93F4-0950D6E44832}" type="datetimeFigureOut">
               <a:rPr lang="en-US" smtClean="0"/>
-              <a:t>3/15/21</a:t>
+              <a:t>3/22/21</a:t>
             </a:fld>
             <a:endParaRPr lang="en-US"/>
           </a:p>
@@ -921,7 +921,7 @@
           <a:p>
             <a:fld id="{454E6466-8033-6448-93F4-0950D6E44832}" type="datetimeFigureOut">
               <a:rPr lang="en-US" smtClean="0"/>
-              <a:t>3/15/21</a:t>
+              <a:t>3/22/21</a:t>
             </a:fld>
             <a:endParaRPr lang="en-US"/>
           </a:p>
@@ -1129,7 +1129,7 @@
           <a:p>
             <a:fld id="{454E6466-8033-6448-93F4-0950D6E44832}" type="datetimeFigureOut">
               <a:rPr lang="en-US" smtClean="0"/>
-              <a:t>3/15/21</a:t>
+              <a:t>3/22/21</a:t>
             </a:fld>
             <a:endParaRPr lang="en-US"/>
           </a:p>
@@ -1327,7 +1327,7 @@
           <a:p>
             <a:fld id="{454E6466-8033-6448-93F4-0950D6E44832}" type="datetimeFigureOut">
               <a:rPr lang="en-US" smtClean="0"/>
-              <a:t>3/15/21</a:t>
+              <a:t>3/22/21</a:t>
             </a:fld>
             <a:endParaRPr lang="en-US"/>
           </a:p>
@@ -1602,7 +1602,7 @@
           <a:p>
             <a:fld id="{454E6466-8033-6448-93F4-0950D6E44832}" type="datetimeFigureOut">
               <a:rPr lang="en-US" smtClean="0"/>
-              <a:t>3/15/21</a:t>
+              <a:t>3/22/21</a:t>
             </a:fld>
             <a:endParaRPr lang="en-US"/>
           </a:p>
@@ -1867,7 +1867,7 @@
           <a:p>
             <a:fld id="{454E6466-8033-6448-93F4-0950D6E44832}" type="datetimeFigureOut">
               <a:rPr lang="en-US" smtClean="0"/>
-              <a:t>3/15/21</a:t>
+              <a:t>3/22/21</a:t>
             </a:fld>
             <a:endParaRPr lang="en-US"/>
           </a:p>
@@ -2279,7 +2279,7 @@
           <a:p>
             <a:fld id="{454E6466-8033-6448-93F4-0950D6E44832}" type="datetimeFigureOut">
               <a:rPr lang="en-US" smtClean="0"/>
-              <a:t>3/15/21</a:t>
+              <a:t>3/22/21</a:t>
             </a:fld>
             <a:endParaRPr lang="en-US"/>
           </a:p>
@@ -2420,7 +2420,7 @@
           <a:p>
             <a:fld id="{454E6466-8033-6448-93F4-0950D6E44832}" type="datetimeFigureOut">
               <a:rPr lang="en-US" smtClean="0"/>
-              <a:t>3/15/21</a:t>
+              <a:t>3/22/21</a:t>
             </a:fld>
             <a:endParaRPr lang="en-US"/>
           </a:p>
@@ -2533,7 +2533,7 @@
           <a:p>
             <a:fld id="{454E6466-8033-6448-93F4-0950D6E44832}" type="datetimeFigureOut">
               <a:rPr lang="en-US" smtClean="0"/>
-              <a:t>3/15/21</a:t>
+              <a:t>3/22/21</a:t>
             </a:fld>
             <a:endParaRPr lang="en-US"/>
           </a:p>
@@ -2844,7 +2844,7 @@
           <a:p>
             <a:fld id="{454E6466-8033-6448-93F4-0950D6E44832}" type="datetimeFigureOut">
               <a:rPr lang="en-US" smtClean="0"/>
-              <a:t>3/15/21</a:t>
+              <a:t>3/22/21</a:t>
             </a:fld>
             <a:endParaRPr lang="en-US"/>
           </a:p>
@@ -3132,7 +3132,7 @@
           <a:p>
             <a:fld id="{454E6466-8033-6448-93F4-0950D6E44832}" type="datetimeFigureOut">
               <a:rPr lang="en-US" smtClean="0"/>
-              <a:t>3/15/21</a:t>
+              <a:t>3/22/21</a:t>
             </a:fld>
             <a:endParaRPr lang="en-US"/>
           </a:p>
@@ -3373,7 +3373,7 @@
           <a:p>
             <a:fld id="{454E6466-8033-6448-93F4-0950D6E44832}" type="datetimeFigureOut">
               <a:rPr lang="en-US" smtClean="0"/>
-              <a:t>3/15/21</a:t>
+              <a:t>3/22/21</a:t>
             </a:fld>
             <a:endParaRPr lang="en-US"/>
           </a:p>
@@ -3804,7 +3804,7 @@
         </p:nvSpPr>
         <p:spPr>
           <a:xfrm>
-            <a:off x="6929818" y="1934286"/>
+            <a:off x="6908797" y="2365420"/>
             <a:ext cx="1374094" cy="369332"/>
           </a:xfrm>
           <a:prstGeom prst="rect">
@@ -3925,7 +3925,7 @@
         </p:nvSpPr>
         <p:spPr>
           <a:xfrm>
-            <a:off x="1178867" y="1945243"/>
+            <a:off x="1157846" y="2376377"/>
             <a:ext cx="1729961" cy="369332"/>
           </a:xfrm>
           <a:prstGeom prst="rect">
@@ -3968,7 +3968,7 @@
         </p:nvSpPr>
         <p:spPr>
           <a:xfrm>
-            <a:off x="3876067" y="1936494"/>
+            <a:off x="3855046" y="2367628"/>
             <a:ext cx="2045752" cy="369332"/>
           </a:xfrm>
           <a:prstGeom prst="rect">
@@ -4390,7 +4390,7 @@
         </p:nvSpPr>
         <p:spPr>
           <a:xfrm>
-            <a:off x="9387364" y="1934286"/>
+            <a:off x="9366343" y="2365420"/>
             <a:ext cx="1279516" cy="369332"/>
           </a:xfrm>
           <a:prstGeom prst="rect">

--- a/figs/versions.pptx
+++ b/figs/versions.pptx
@@ -220,7 +220,7 @@
           <a:p>
             <a:fld id="{8479DA45-34A6-CC48-8BED-70680276819D}" type="datetimeFigureOut">
               <a:rPr lang="en-US" smtClean="0"/>
-              <a:t>3/22/21</a:t>
+              <a:t>6/10/21</a:t>
             </a:fld>
             <a:endParaRPr lang="en-US"/>
           </a:p>
@@ -723,7 +723,7 @@
           <a:p>
             <a:fld id="{454E6466-8033-6448-93F4-0950D6E44832}" type="datetimeFigureOut">
               <a:rPr lang="en-US" smtClean="0"/>
-              <a:t>3/22/21</a:t>
+              <a:t>6/10/21</a:t>
             </a:fld>
             <a:endParaRPr lang="en-US"/>
           </a:p>
@@ -921,7 +921,7 @@
           <a:p>
             <a:fld id="{454E6466-8033-6448-93F4-0950D6E44832}" type="datetimeFigureOut">
               <a:rPr lang="en-US" smtClean="0"/>
-              <a:t>3/22/21</a:t>
+              <a:t>6/10/21</a:t>
             </a:fld>
             <a:endParaRPr lang="en-US"/>
           </a:p>
@@ -1129,7 +1129,7 @@
           <a:p>
             <a:fld id="{454E6466-8033-6448-93F4-0950D6E44832}" type="datetimeFigureOut">
               <a:rPr lang="en-US" smtClean="0"/>
-              <a:t>3/22/21</a:t>
+              <a:t>6/10/21</a:t>
             </a:fld>
             <a:endParaRPr lang="en-US"/>
           </a:p>
@@ -1327,7 +1327,7 @@
           <a:p>
             <a:fld id="{454E6466-8033-6448-93F4-0950D6E44832}" type="datetimeFigureOut">
               <a:rPr lang="en-US" smtClean="0"/>
-              <a:t>3/22/21</a:t>
+              <a:t>6/10/21</a:t>
             </a:fld>
             <a:endParaRPr lang="en-US"/>
           </a:p>
@@ -1602,7 +1602,7 @@
           <a:p>
             <a:fld id="{454E6466-8033-6448-93F4-0950D6E44832}" type="datetimeFigureOut">
               <a:rPr lang="en-US" smtClean="0"/>
-              <a:t>3/22/21</a:t>
+              <a:t>6/10/21</a:t>
             </a:fld>
             <a:endParaRPr lang="en-US"/>
           </a:p>
@@ -1867,7 +1867,7 @@
           <a:p>
             <a:fld id="{454E6466-8033-6448-93F4-0950D6E44832}" type="datetimeFigureOut">
               <a:rPr lang="en-US" smtClean="0"/>
-              <a:t>3/22/21</a:t>
+              <a:t>6/10/21</a:t>
             </a:fld>
             <a:endParaRPr lang="en-US"/>
           </a:p>
@@ -2279,7 +2279,7 @@
           <a:p>
             <a:fld id="{454E6466-8033-6448-93F4-0950D6E44832}" type="datetimeFigureOut">
               <a:rPr lang="en-US" smtClean="0"/>
-              <a:t>3/22/21</a:t>
+              <a:t>6/10/21</a:t>
             </a:fld>
             <a:endParaRPr lang="en-US"/>
           </a:p>
@@ -2420,7 +2420,7 @@
           <a:p>
             <a:fld id="{454E6466-8033-6448-93F4-0950D6E44832}" type="datetimeFigureOut">
               <a:rPr lang="en-US" smtClean="0"/>
-              <a:t>3/22/21</a:t>
+              <a:t>6/10/21</a:t>
             </a:fld>
             <a:endParaRPr lang="en-US"/>
           </a:p>
@@ -2533,7 +2533,7 @@
           <a:p>
             <a:fld id="{454E6466-8033-6448-93F4-0950D6E44832}" type="datetimeFigureOut">
               <a:rPr lang="en-US" smtClean="0"/>
-              <a:t>3/22/21</a:t>
+              <a:t>6/10/21</a:t>
             </a:fld>
             <a:endParaRPr lang="en-US"/>
           </a:p>
@@ -2844,7 +2844,7 @@
           <a:p>
             <a:fld id="{454E6466-8033-6448-93F4-0950D6E44832}" type="datetimeFigureOut">
               <a:rPr lang="en-US" smtClean="0"/>
-              <a:t>3/22/21</a:t>
+              <a:t>6/10/21</a:t>
             </a:fld>
             <a:endParaRPr lang="en-US"/>
           </a:p>
@@ -3132,7 +3132,7 @@
           <a:p>
             <a:fld id="{454E6466-8033-6448-93F4-0950D6E44832}" type="datetimeFigureOut">
               <a:rPr lang="en-US" smtClean="0"/>
-              <a:t>3/22/21</a:t>
+              <a:t>6/10/21</a:t>
             </a:fld>
             <a:endParaRPr lang="en-US"/>
           </a:p>
@@ -3373,7 +3373,7 @@
           <a:p>
             <a:fld id="{454E6466-8033-6448-93F4-0950D6E44832}" type="datetimeFigureOut">
               <a:rPr lang="en-US" smtClean="0"/>
-              <a:t>3/22/21</a:t>
+              <a:t>6/10/21</a:t>
             </a:fld>
             <a:endParaRPr lang="en-US"/>
           </a:p>
@@ -4616,8 +4616,8 @@
         </p:nvSpPr>
         <p:spPr>
           <a:xfrm>
-            <a:off x="3094528" y="3057886"/>
-            <a:ext cx="458780" cy="369332"/>
+            <a:off x="2930337" y="3052849"/>
+            <a:ext cx="797013" cy="369332"/>
           </a:xfrm>
           <a:prstGeom prst="rect">
             <a:avLst/>
@@ -4636,7 +4636,7 @@
                   <a:srgbClr val="D95F02"/>
                 </a:solidFill>
               </a:rPr>
-              <a:t>v2</a:t>
+              <a:t>v2/v4</a:t>
             </a:r>
           </a:p>
         </p:txBody>
